--- a/lec/CGR24L7.pptx
+++ b/lec/CGR24L7.pptx
@@ -5,7 +5,7 @@
     <p:sldMasterId id="2147483840" r:id="rId1"/>
   </p:sldMasterIdLst>
   <p:notesMasterIdLst>
-    <p:notesMasterId r:id="rId12"/>
+    <p:notesMasterId r:id="rId10"/>
   </p:notesMasterIdLst>
   <p:sldIdLst>
     <p:sldId id="256" r:id="rId2"/>
@@ -15,9 +15,7 @@
     <p:sldId id="259" r:id="rId6"/>
     <p:sldId id="260" r:id="rId7"/>
     <p:sldId id="261" r:id="rId8"/>
-    <p:sldId id="262" r:id="rId9"/>
-    <p:sldId id="264" r:id="rId10"/>
-    <p:sldId id="263" r:id="rId11"/>
+    <p:sldId id="263" r:id="rId9"/>
   </p:sldIdLst>
   <p:sldSz cx="12192000" cy="6858000"/>
   <p:notesSz cx="6858000" cy="9144000"/>
@@ -6535,152 +6533,6 @@
 </p:sld>
 </file>
 
-<file path=ppt/slides/slide10.xml><?xml version="1.0" encoding="utf-8"?>
-<p:sld xmlns:a="http://schemas.openxmlformats.org/drawingml/2006/main" xmlns:r="http://schemas.openxmlformats.org/officeDocument/2006/relationships" xmlns:p="http://schemas.openxmlformats.org/presentationml/2006/main">
-  <p:cSld>
-    <p:spTree>
-      <p:nvGrpSpPr>
-        <p:cNvPr id="1" name=""/>
-        <p:cNvGrpSpPr/>
-        <p:nvPr/>
-      </p:nvGrpSpPr>
-      <p:grpSpPr>
-        <a:xfrm>
-          <a:off x="0" y="0"/>
-          <a:ext cx="0" cy="0"/>
-          <a:chOff x="0" y="0"/>
-          <a:chExt cx="0" cy="0"/>
-        </a:xfrm>
-      </p:grpSpPr>
-      <p:sp>
-        <p:nvSpPr>
-          <p:cNvPr id="2" name="Title 1">
-            <a:extLst>
-              <a:ext uri="{FF2B5EF4-FFF2-40B4-BE49-F238E27FC236}">
-                <a16:creationId xmlns:a16="http://schemas.microsoft.com/office/drawing/2014/main" id="{520B548A-1180-744A-972E-E58C87CBB1E2}"/>
-              </a:ext>
-            </a:extLst>
-          </p:cNvPr>
-          <p:cNvSpPr>
-            <a:spLocks noGrp="1"/>
-          </p:cNvSpPr>
-          <p:nvPr>
-            <p:ph type="title"/>
-          </p:nvPr>
-        </p:nvSpPr>
-        <p:spPr/>
-        <p:txBody>
-          <a:bodyPr/>
-          <a:lstStyle/>
-          <a:p>
-            <a:r>
-              <a:rPr lang="en-US" dirty="0"/>
-              <a:t>Monte Carlo method</a:t>
-            </a:r>
-          </a:p>
-        </p:txBody>
-      </p:sp>
-      <p:pic>
-        <p:nvPicPr>
-          <p:cNvPr id="3" name="Picture 2">
-            <a:extLst>
-              <a:ext uri="{FF2B5EF4-FFF2-40B4-BE49-F238E27FC236}">
-                <a16:creationId xmlns:a16="http://schemas.microsoft.com/office/drawing/2014/main" id="{77CCE097-DB16-DA42-B61D-853B1FF2F9E3}"/>
-              </a:ext>
-            </a:extLst>
-          </p:cNvPr>
-          <p:cNvPicPr>
-            <a:picLocks noChangeAspect="1"/>
-          </p:cNvPicPr>
-          <p:nvPr/>
-        </p:nvPicPr>
-        <p:blipFill>
-          <a:blip r:embed="rId2"/>
-          <a:stretch>
-            <a:fillRect/>
-          </a:stretch>
-        </p:blipFill>
-        <p:spPr>
-          <a:xfrm>
-            <a:off x="3126222" y="1486290"/>
-            <a:ext cx="6205347" cy="4914510"/>
-          </a:xfrm>
-          <a:prstGeom prst="rect">
-            <a:avLst/>
-          </a:prstGeom>
-        </p:spPr>
-      </p:pic>
-      <p:sp>
-        <p:nvSpPr>
-          <p:cNvPr id="4" name="Rectangle 3">
-            <a:extLst>
-              <a:ext uri="{FF2B5EF4-FFF2-40B4-BE49-F238E27FC236}">
-                <a16:creationId xmlns:a16="http://schemas.microsoft.com/office/drawing/2014/main" id="{443BB922-DF3A-6D4D-A45C-F92826CD6A6A}"/>
-              </a:ext>
-            </a:extLst>
-          </p:cNvPr>
-          <p:cNvSpPr/>
-          <p:nvPr/>
-        </p:nvSpPr>
-        <p:spPr>
-          <a:xfrm>
-            <a:off x="3036276" y="6399237"/>
-            <a:ext cx="7913077" cy="369332"/>
-          </a:xfrm>
-          <a:prstGeom prst="rect">
-            <a:avLst/>
-          </a:prstGeom>
-        </p:spPr>
-        <p:txBody>
-          <a:bodyPr wrap="square">
-            <a:spAutoFit/>
-          </a:bodyPr>
-          <a:lstStyle/>
-          <a:p>
-            <a:r>
-              <a:rPr lang="en-US" dirty="0"/>
-              <a:t>http://www-</a:t>
-            </a:r>
-            <a:r>
-              <a:rPr lang="en-US" dirty="0" err="1"/>
-              <a:t>star.st</a:t>
-            </a:r>
-            <a:r>
-              <a:rPr lang="en-US" dirty="0"/>
-              <a:t>-</a:t>
-            </a:r>
-            <a:r>
-              <a:rPr lang="en-US" dirty="0" err="1"/>
-              <a:t>and.ac.uk</a:t>
-            </a:r>
-            <a:r>
-              <a:rPr lang="en-US" dirty="0"/>
-              <a:t>/~kw25/teaching/</a:t>
-            </a:r>
-            <a:r>
-              <a:rPr lang="en-US" dirty="0" err="1"/>
-              <a:t>mcrt</a:t>
-            </a:r>
-            <a:r>
-              <a:rPr lang="en-US" dirty="0"/>
-              <a:t>/MC_history_3.pdf</a:t>
-            </a:r>
-          </a:p>
-        </p:txBody>
-      </p:sp>
-    </p:spTree>
-    <p:extLst>
-      <p:ext uri="{BB962C8B-B14F-4D97-AF65-F5344CB8AC3E}">
-        <p14:creationId xmlns:p14="http://schemas.microsoft.com/office/powerpoint/2010/main" val="3200229220"/>
-      </p:ext>
-    </p:extLst>
-  </p:cSld>
-  <p:clrMapOvr>
-    <a:masterClrMapping/>
-  </p:clrMapOvr>
-</p:sld>
-</file>
-
 <file path=ppt/slides/slide2.xml><?xml version="1.0" encoding="utf-8"?>
 <p:sld xmlns:a="http://schemas.openxmlformats.org/drawingml/2006/main" xmlns:r="http://schemas.openxmlformats.org/officeDocument/2006/relationships" xmlns:p="http://schemas.openxmlformats.org/presentationml/2006/main">
   <p:cSld>
@@ -7155,7 +7007,7 @@
           <p:cNvPr id="2" name="Title 1">
             <a:extLst>
               <a:ext uri="{FF2B5EF4-FFF2-40B4-BE49-F238E27FC236}">
-                <a16:creationId xmlns:a16="http://schemas.microsoft.com/office/drawing/2014/main" id="{A2EB794F-FFE4-104E-9A9F-1B5056DE0416}"/>
+                <a16:creationId xmlns:a16="http://schemas.microsoft.com/office/drawing/2014/main" id="{520B548A-1180-744A-972E-E58C87CBB1E2}"/>
               </a:ext>
             </a:extLst>
           </p:cNvPr>
@@ -7173,7 +7025,95 @@
           <a:p>
             <a:r>
               <a:rPr lang="en-US" dirty="0"/>
-              <a:t>A random slide</a:t>
+              <a:t>Monte Carlo method</a:t>
+            </a:r>
+          </a:p>
+        </p:txBody>
+      </p:sp>
+      <p:pic>
+        <p:nvPicPr>
+          <p:cNvPr id="3" name="Picture 2">
+            <a:extLst>
+              <a:ext uri="{FF2B5EF4-FFF2-40B4-BE49-F238E27FC236}">
+                <a16:creationId xmlns:a16="http://schemas.microsoft.com/office/drawing/2014/main" id="{77CCE097-DB16-DA42-B61D-853B1FF2F9E3}"/>
+              </a:ext>
+            </a:extLst>
+          </p:cNvPr>
+          <p:cNvPicPr>
+            <a:picLocks noChangeAspect="1"/>
+          </p:cNvPicPr>
+          <p:nvPr/>
+        </p:nvPicPr>
+        <p:blipFill>
+          <a:blip r:embed="rId2"/>
+          <a:stretch>
+            <a:fillRect/>
+          </a:stretch>
+        </p:blipFill>
+        <p:spPr>
+          <a:xfrm>
+            <a:off x="3126222" y="1486290"/>
+            <a:ext cx="6205347" cy="4914510"/>
+          </a:xfrm>
+          <a:prstGeom prst="rect">
+            <a:avLst/>
+          </a:prstGeom>
+        </p:spPr>
+      </p:pic>
+      <p:sp>
+        <p:nvSpPr>
+          <p:cNvPr id="4" name="Rectangle 3">
+            <a:extLst>
+              <a:ext uri="{FF2B5EF4-FFF2-40B4-BE49-F238E27FC236}">
+                <a16:creationId xmlns:a16="http://schemas.microsoft.com/office/drawing/2014/main" id="{443BB922-DF3A-6D4D-A45C-F92826CD6A6A}"/>
+              </a:ext>
+            </a:extLst>
+          </p:cNvPr>
+          <p:cNvSpPr/>
+          <p:nvPr/>
+        </p:nvSpPr>
+        <p:spPr>
+          <a:xfrm>
+            <a:off x="3036276" y="6399237"/>
+            <a:ext cx="7913077" cy="369332"/>
+          </a:xfrm>
+          <a:prstGeom prst="rect">
+            <a:avLst/>
+          </a:prstGeom>
+        </p:spPr>
+        <p:txBody>
+          <a:bodyPr wrap="square">
+            <a:spAutoFit/>
+          </a:bodyPr>
+          <a:lstStyle/>
+          <a:p>
+            <a:r>
+              <a:rPr lang="en-US" dirty="0"/>
+              <a:t>http://www-</a:t>
+            </a:r>
+            <a:r>
+              <a:rPr lang="en-US" dirty="0" err="1"/>
+              <a:t>star.st</a:t>
+            </a:r>
+            <a:r>
+              <a:rPr lang="en-US" dirty="0"/>
+              <a:t>-</a:t>
+            </a:r>
+            <a:r>
+              <a:rPr lang="en-US" dirty="0" err="1"/>
+              <a:t>and.ac.uk</a:t>
+            </a:r>
+            <a:r>
+              <a:rPr lang="en-US" dirty="0"/>
+              <a:t>/~kw25/teaching/</a:t>
+            </a:r>
+            <a:r>
+              <a:rPr lang="en-US" dirty="0" err="1"/>
+              <a:t>mcrt</a:t>
+            </a:r>
+            <a:r>
+              <a:rPr lang="en-US" dirty="0"/>
+              <a:t>/MC_history_3.pdf</a:t>
             </a:r>
           </a:p>
         </p:txBody>
@@ -7181,65 +7121,7 @@
     </p:spTree>
     <p:extLst>
       <p:ext uri="{BB962C8B-B14F-4D97-AF65-F5344CB8AC3E}">
-        <p14:creationId xmlns:p14="http://schemas.microsoft.com/office/powerpoint/2010/main" val="3987951276"/>
-      </p:ext>
-    </p:extLst>
-  </p:cSld>
-  <p:clrMapOvr>
-    <a:masterClrMapping/>
-  </p:clrMapOvr>
-</p:sld>
-</file>
-
-<file path=ppt/slides/slide9.xml><?xml version="1.0" encoding="utf-8"?>
-<p:sld xmlns:a="http://schemas.openxmlformats.org/drawingml/2006/main" xmlns:r="http://schemas.openxmlformats.org/officeDocument/2006/relationships" xmlns:p="http://schemas.openxmlformats.org/presentationml/2006/main">
-  <p:cSld>
-    <p:spTree>
-      <p:nvGrpSpPr>
-        <p:cNvPr id="1" name=""/>
-        <p:cNvGrpSpPr/>
-        <p:nvPr/>
-      </p:nvGrpSpPr>
-      <p:grpSpPr>
-        <a:xfrm>
-          <a:off x="0" y="0"/>
-          <a:ext cx="0" cy="0"/>
-          <a:chOff x="0" y="0"/>
-          <a:chExt cx="0" cy="0"/>
-        </a:xfrm>
-      </p:grpSpPr>
-      <p:sp>
-        <p:nvSpPr>
-          <p:cNvPr id="2" name="Title 1">
-            <a:extLst>
-              <a:ext uri="{FF2B5EF4-FFF2-40B4-BE49-F238E27FC236}">
-                <a16:creationId xmlns:a16="http://schemas.microsoft.com/office/drawing/2014/main" id="{8389A393-8D80-B844-BAA6-9BF6B07DA9F7}"/>
-              </a:ext>
-            </a:extLst>
-          </p:cNvPr>
-          <p:cNvSpPr>
-            <a:spLocks noGrp="1"/>
-          </p:cNvSpPr>
-          <p:nvPr>
-            <p:ph type="title"/>
-          </p:nvPr>
-        </p:nvSpPr>
-        <p:spPr/>
-        <p:txBody>
-          <a:bodyPr/>
-          <a:lstStyle/>
-          <a:p>
-            <a:r>
-              <a:rPr lang="en-US" dirty="0"/>
-              <a:t>Area of a circle</a:t>
-            </a:r>
-          </a:p>
-        </p:txBody>
-      </p:sp>
-    </p:spTree>
-    <p:extLst>
-      <p:ext uri="{BB962C8B-B14F-4D97-AF65-F5344CB8AC3E}">
-        <p14:creationId xmlns:p14="http://schemas.microsoft.com/office/powerpoint/2010/main" val="2227890855"/>
+        <p14:creationId xmlns:p14="http://schemas.microsoft.com/office/powerpoint/2010/main" val="3200229220"/>
       </p:ext>
     </p:extLst>
   </p:cSld>
